--- a/시스템구성도&블록다이어그래사례.pptx
+++ b/시스템구성도&블록다이어그래사례.pptx
@@ -5,12 +5,11 @@
     <p:sldMasterId id="2147483648" r:id="rId1"/>
   </p:sldMasterIdLst>
   <p:notesMasterIdLst>
-    <p:notesMasterId r:id="rId5"/>
+    <p:notesMasterId r:id="rId4"/>
   </p:notesMasterIdLst>
   <p:sldIdLst>
     <p:sldId id="279" r:id="rId2"/>
-    <p:sldId id="278" r:id="rId3"/>
-    <p:sldId id="280" r:id="rId4"/>
+    <p:sldId id="280" r:id="rId3"/>
   </p:sldIdLst>
   <p:sldSz cx="12192000" cy="6858000"/>
   <p:notesSz cx="6858000" cy="9144000"/>
@@ -199,7 +198,7 @@
           <a:p>
             <a:fld id="{73CB1542-7DD9-492F-A9F7-CA3B5FDBFB26}" type="datetimeFigureOut">
               <a:rPr lang="ko-KR" altLang="en-US" smtClean="0"/>
-              <a:t>2022-11-28</a:t>
+              <a:t>2022-12-07</a:t>
             </a:fld>
             <a:endParaRPr lang="ko-KR" altLang="en-US"/>
           </a:p>
@@ -466,271 +465,6 @@
 </p:notesMaster>
 </file>
 
-<file path=ppt/notesSlides/notesSlide1.xml><?xml version="1.0" encoding="utf-8"?>
-<p:notes xmlns:a="http://schemas.openxmlformats.org/drawingml/2006/main" xmlns:r="http://schemas.openxmlformats.org/officeDocument/2006/relationships" xmlns:p="http://schemas.openxmlformats.org/presentationml/2006/main">
-  <p:cSld>
-    <p:spTree>
-      <p:nvGrpSpPr>
-        <p:cNvPr id="1" name=""/>
-        <p:cNvGrpSpPr/>
-        <p:nvPr/>
-      </p:nvGrpSpPr>
-      <p:grpSpPr>
-        <a:xfrm>
-          <a:off x="0" y="0"/>
-          <a:ext cx="0" cy="0"/>
-          <a:chOff x="0" y="0"/>
-          <a:chExt cx="0" cy="0"/>
-        </a:xfrm>
-      </p:grpSpPr>
-      <p:sp>
-        <p:nvSpPr>
-          <p:cNvPr id="2" name="슬라이드 이미지 개체 틀 1"/>
-          <p:cNvSpPr>
-            <a:spLocks noGrp="1" noRot="1" noChangeAspect="1"/>
-          </p:cNvSpPr>
-          <p:nvPr>
-            <p:ph type="sldImg"/>
-          </p:nvPr>
-        </p:nvSpPr>
-        <p:spPr/>
-      </p:sp>
-      <p:sp>
-        <p:nvSpPr>
-          <p:cNvPr id="3" name="슬라이드 노트 개체 틀 2"/>
-          <p:cNvSpPr>
-            <a:spLocks noGrp="1"/>
-          </p:cNvSpPr>
-          <p:nvPr>
-            <p:ph type="body" idx="1"/>
-          </p:nvPr>
-        </p:nvSpPr>
-        <p:spPr/>
-        <p:txBody>
-          <a:bodyPr/>
-          <a:lstStyle/>
-          <a:p>
-            <a:r>
-              <a:rPr lang="ko-KR" altLang="en-US" dirty="0" err="1"/>
-              <a:t>제일먼저</a:t>
-            </a:r>
-            <a:r>
-              <a:rPr lang="ko-KR" altLang="en-US" dirty="0"/>
-              <a:t> 클라이언트에서 의상을 받아와 </a:t>
-            </a:r>
-            <a:r>
-              <a:rPr lang="ko-KR" altLang="en-US" dirty="0" err="1"/>
-              <a:t>클로젯매니저에</a:t>
-            </a:r>
-            <a:r>
-              <a:rPr lang="ko-KR" altLang="en-US" dirty="0"/>
-              <a:t> 저장합니다</a:t>
-            </a:r>
-            <a:endParaRPr lang="en-US" altLang="ko-KR" dirty="0"/>
-          </a:p>
-          <a:p>
-            <a:r>
-              <a:rPr lang="ko-KR" altLang="en-US" dirty="0" err="1"/>
-              <a:t>클로젯매니저에서</a:t>
-            </a:r>
-            <a:r>
-              <a:rPr lang="ko-KR" altLang="en-US" dirty="0"/>
-              <a:t> 매칭할 의상을 가져와 </a:t>
-            </a:r>
-            <a:r>
-              <a:rPr lang="ko-KR" altLang="en-US" dirty="0" err="1"/>
-              <a:t>이미지클러스터링으로</a:t>
-            </a:r>
-            <a:r>
-              <a:rPr lang="ko-KR" altLang="en-US" dirty="0"/>
-              <a:t> 색을 추출합니다</a:t>
-            </a:r>
-            <a:endParaRPr lang="en-US" altLang="ko-KR" dirty="0"/>
-          </a:p>
-          <a:p>
-            <a:r>
-              <a:rPr lang="ko-KR" altLang="en-US" dirty="0" err="1"/>
-              <a:t>서버패킷매니저에</a:t>
-            </a:r>
-            <a:r>
-              <a:rPr lang="ko-KR" altLang="en-US" dirty="0"/>
-              <a:t> 추출된 색을 전달합니다</a:t>
-            </a:r>
-            <a:endParaRPr lang="en-US" altLang="ko-KR" dirty="0"/>
-          </a:p>
-          <a:p>
-            <a:r>
-              <a:rPr lang="ko-KR" altLang="en-US" dirty="0"/>
-              <a:t>서버에서 </a:t>
-            </a:r>
-            <a:r>
-              <a:rPr lang="ko-KR" altLang="en-US" dirty="0" err="1"/>
-              <a:t>베이스리코맨드매니저가</a:t>
-            </a:r>
-            <a:r>
-              <a:rPr lang="ko-KR" altLang="en-US" dirty="0"/>
-              <a:t> 전달받은 후보색들의 원점수를 데이터베이스의 베이스테이블을 참조하여 파악합니다</a:t>
-            </a:r>
-            <a:r>
-              <a:rPr lang="en-US" altLang="ko-KR" dirty="0"/>
-              <a:t>.</a:t>
-            </a:r>
-          </a:p>
-          <a:p>
-            <a:r>
-              <a:rPr lang="ko-KR" altLang="en-US" dirty="0" err="1"/>
-              <a:t>코렉션매니저가</a:t>
-            </a:r>
-            <a:r>
-              <a:rPr lang="ko-KR" altLang="en-US" dirty="0"/>
-              <a:t> 데이터베이스의 유저테이블을 참조해 </a:t>
-            </a:r>
-            <a:r>
-              <a:rPr lang="ko-KR" altLang="en-US" dirty="0" err="1"/>
-              <a:t>다른유저들의</a:t>
-            </a:r>
-            <a:r>
-              <a:rPr lang="ko-KR" altLang="en-US" dirty="0"/>
-              <a:t> </a:t>
-            </a:r>
-            <a:r>
-              <a:rPr lang="ko-KR" altLang="en-US" dirty="0" err="1"/>
-              <a:t>매칭결과에</a:t>
-            </a:r>
-            <a:r>
-              <a:rPr lang="ko-KR" altLang="en-US" dirty="0"/>
-              <a:t> 대한 만족도를 가져와 </a:t>
-            </a:r>
-            <a:r>
-              <a:rPr lang="ko-KR" altLang="en-US" dirty="0" err="1"/>
-              <a:t>보정값을</a:t>
-            </a:r>
-            <a:r>
-              <a:rPr lang="ko-KR" altLang="en-US" dirty="0"/>
-              <a:t> 파악합니다</a:t>
-            </a:r>
-            <a:endParaRPr lang="en-US" altLang="ko-KR" dirty="0"/>
-          </a:p>
-          <a:p>
-            <a:r>
-              <a:rPr lang="ko-KR" altLang="en-US" dirty="0"/>
-              <a:t>오퍼레이션매니저에서 전달받은 색들의 원점수와 </a:t>
-            </a:r>
-            <a:r>
-              <a:rPr lang="ko-KR" altLang="en-US" dirty="0" err="1"/>
-              <a:t>보정값을</a:t>
-            </a:r>
-            <a:r>
-              <a:rPr lang="ko-KR" altLang="en-US" dirty="0"/>
-              <a:t> 연산해 제일 높은 점수의 색을 선별합니다</a:t>
-            </a:r>
-            <a:r>
-              <a:rPr lang="en-US" altLang="ko-KR" dirty="0"/>
-              <a:t>.</a:t>
-            </a:r>
-          </a:p>
-          <a:p>
-            <a:r>
-              <a:rPr lang="ko-KR" altLang="en-US" dirty="0" err="1"/>
-              <a:t>클라이언트패킷매니저가</a:t>
-            </a:r>
-            <a:r>
-              <a:rPr lang="ko-KR" altLang="en-US" dirty="0"/>
-              <a:t> 제일 높은 점수의 색을 클라이언트로 전달합니다</a:t>
-            </a:r>
-            <a:r>
-              <a:rPr lang="en-US" altLang="ko-KR" dirty="0"/>
-              <a:t>.</a:t>
-            </a:r>
-          </a:p>
-          <a:p>
-            <a:r>
-              <a:rPr lang="ko-KR" altLang="en-US" dirty="0" err="1"/>
-              <a:t>매칭리절트에서</a:t>
-            </a:r>
-            <a:r>
-              <a:rPr lang="ko-KR" altLang="en-US" dirty="0"/>
-              <a:t> 매칭된 결과를 출력합니다</a:t>
-            </a:r>
-            <a:r>
-              <a:rPr lang="en-US" altLang="ko-KR" dirty="0"/>
-              <a:t>.</a:t>
-            </a:r>
-          </a:p>
-          <a:p>
-            <a:r>
-              <a:rPr lang="ko-KR" altLang="en-US" dirty="0" err="1"/>
-              <a:t>세티스펙션</a:t>
-            </a:r>
-            <a:r>
-              <a:rPr lang="ko-KR" altLang="en-US" dirty="0"/>
-              <a:t> </a:t>
-            </a:r>
-            <a:r>
-              <a:rPr lang="ko-KR" altLang="en-US" dirty="0" err="1"/>
-              <a:t>이벨류에이션에서</a:t>
-            </a:r>
-            <a:r>
-              <a:rPr lang="ko-KR" altLang="en-US" dirty="0"/>
-              <a:t> 매칭 결과에 대한 만족도를 사용자가 평가합니다</a:t>
-            </a:r>
-            <a:r>
-              <a:rPr lang="en-US" altLang="ko-KR" dirty="0"/>
-              <a:t>.</a:t>
-            </a:r>
-          </a:p>
-          <a:p>
-            <a:r>
-              <a:rPr lang="ko-KR" altLang="en-US" dirty="0" err="1"/>
-              <a:t>데이터베이스패킷매니저에서</a:t>
-            </a:r>
-            <a:r>
-              <a:rPr lang="ko-KR" altLang="en-US" dirty="0"/>
-              <a:t> 만족도를 가져와 데이터베이스의 유저테이블에 저장합니다</a:t>
-            </a:r>
-            <a:r>
-              <a:rPr lang="en-US" altLang="ko-KR" dirty="0"/>
-              <a:t>.</a:t>
-            </a:r>
-          </a:p>
-        </p:txBody>
-      </p:sp>
-      <p:sp>
-        <p:nvSpPr>
-          <p:cNvPr id="4" name="슬라이드 번호 개체 틀 3"/>
-          <p:cNvSpPr>
-            <a:spLocks noGrp="1"/>
-          </p:cNvSpPr>
-          <p:nvPr>
-            <p:ph type="sldNum" sz="quarter" idx="5"/>
-          </p:nvPr>
-        </p:nvSpPr>
-        <p:spPr/>
-        <p:txBody>
-          <a:bodyPr/>
-          <a:lstStyle/>
-          <a:p>
-            <a:fld id="{102F5524-35EA-4AFD-BC94-A25DFAACE7C5}" type="slidenum">
-              <a:rPr lang="ko-KR" altLang="en-US" smtClean="0"/>
-              <a:t>2</a:t>
-            </a:fld>
-            <a:endParaRPr lang="ko-KR" altLang="en-US"/>
-          </a:p>
-        </p:txBody>
-      </p:sp>
-    </p:spTree>
-    <p:extLst>
-      <p:ext uri="{BB962C8B-B14F-4D97-AF65-F5344CB8AC3E}">
-        <p14:creationId xmlns:p14="http://schemas.microsoft.com/office/powerpoint/2010/main" val="745709992"/>
-      </p:ext>
-    </p:extLst>
-  </p:cSld>
-  <p:clrMapOvr>
-    <a:masterClrMapping/>
-  </p:clrMapOvr>
-</p:notes>
-</file>
-
 <file path=ppt/slideLayouts/slideLayout1.xml><?xml version="1.0" encoding="utf-8"?>
 <p:sldLayout xmlns:a="http://schemas.openxmlformats.org/drawingml/2006/main" xmlns:r="http://schemas.openxmlformats.org/officeDocument/2006/relationships" xmlns:p="http://schemas.openxmlformats.org/presentationml/2006/main" type="title" preserve="1">
   <p:cSld name="제목 슬라이드">
@@ -878,7 +612,7 @@
           <a:p>
             <a:fld id="{FEA26E7E-3E88-460E-8822-38B8A52A34D9}" type="datetimeFigureOut">
               <a:rPr lang="ko-KR" altLang="en-US" smtClean="0"/>
-              <a:t>2022-11-28</a:t>
+              <a:t>2022-12-07</a:t>
             </a:fld>
             <a:endParaRPr lang="ko-KR" altLang="en-US"/>
           </a:p>
@@ -1076,7 +810,7 @@
           <a:p>
             <a:fld id="{FEA26E7E-3E88-460E-8822-38B8A52A34D9}" type="datetimeFigureOut">
               <a:rPr lang="ko-KR" altLang="en-US" smtClean="0"/>
-              <a:t>2022-11-28</a:t>
+              <a:t>2022-12-07</a:t>
             </a:fld>
             <a:endParaRPr lang="ko-KR" altLang="en-US"/>
           </a:p>
@@ -1284,7 +1018,7 @@
           <a:p>
             <a:fld id="{FEA26E7E-3E88-460E-8822-38B8A52A34D9}" type="datetimeFigureOut">
               <a:rPr lang="ko-KR" altLang="en-US" smtClean="0"/>
-              <a:t>2022-11-28</a:t>
+              <a:t>2022-12-07</a:t>
             </a:fld>
             <a:endParaRPr lang="ko-KR" altLang="en-US"/>
           </a:p>
@@ -1482,7 +1216,7 @@
           <a:p>
             <a:fld id="{FEA26E7E-3E88-460E-8822-38B8A52A34D9}" type="datetimeFigureOut">
               <a:rPr lang="ko-KR" altLang="en-US" smtClean="0"/>
-              <a:t>2022-11-28</a:t>
+              <a:t>2022-12-07</a:t>
             </a:fld>
             <a:endParaRPr lang="ko-KR" altLang="en-US"/>
           </a:p>
@@ -1757,7 +1491,7 @@
           <a:p>
             <a:fld id="{FEA26E7E-3E88-460E-8822-38B8A52A34D9}" type="datetimeFigureOut">
               <a:rPr lang="ko-KR" altLang="en-US" smtClean="0"/>
-              <a:t>2022-11-28</a:t>
+              <a:t>2022-12-07</a:t>
             </a:fld>
             <a:endParaRPr lang="ko-KR" altLang="en-US"/>
           </a:p>
@@ -2022,7 +1756,7 @@
           <a:p>
             <a:fld id="{FEA26E7E-3E88-460E-8822-38B8A52A34D9}" type="datetimeFigureOut">
               <a:rPr lang="ko-KR" altLang="en-US" smtClean="0"/>
-              <a:t>2022-11-28</a:t>
+              <a:t>2022-12-07</a:t>
             </a:fld>
             <a:endParaRPr lang="ko-KR" altLang="en-US"/>
           </a:p>
@@ -2434,7 +2168,7 @@
           <a:p>
             <a:fld id="{FEA26E7E-3E88-460E-8822-38B8A52A34D9}" type="datetimeFigureOut">
               <a:rPr lang="ko-KR" altLang="en-US" smtClean="0"/>
-              <a:t>2022-11-28</a:t>
+              <a:t>2022-12-07</a:t>
             </a:fld>
             <a:endParaRPr lang="ko-KR" altLang="en-US"/>
           </a:p>
@@ -2575,7 +2309,7 @@
           <a:p>
             <a:fld id="{FEA26E7E-3E88-460E-8822-38B8A52A34D9}" type="datetimeFigureOut">
               <a:rPr lang="ko-KR" altLang="en-US" smtClean="0"/>
-              <a:t>2022-11-28</a:t>
+              <a:t>2022-12-07</a:t>
             </a:fld>
             <a:endParaRPr lang="ko-KR" altLang="en-US"/>
           </a:p>
@@ -2688,7 +2422,7 @@
           <a:p>
             <a:fld id="{FEA26E7E-3E88-460E-8822-38B8A52A34D9}" type="datetimeFigureOut">
               <a:rPr lang="ko-KR" altLang="en-US" smtClean="0"/>
-              <a:t>2022-11-28</a:t>
+              <a:t>2022-12-07</a:t>
             </a:fld>
             <a:endParaRPr lang="ko-KR" altLang="en-US"/>
           </a:p>
@@ -2999,7 +2733,7 @@
           <a:p>
             <a:fld id="{FEA26E7E-3E88-460E-8822-38B8A52A34D9}" type="datetimeFigureOut">
               <a:rPr lang="ko-KR" altLang="en-US" smtClean="0"/>
-              <a:t>2022-11-28</a:t>
+              <a:t>2022-12-07</a:t>
             </a:fld>
             <a:endParaRPr lang="ko-KR" altLang="en-US"/>
           </a:p>
@@ -3287,7 +3021,7 @@
           <a:p>
             <a:fld id="{FEA26E7E-3E88-460E-8822-38B8A52A34D9}" type="datetimeFigureOut">
               <a:rPr lang="ko-KR" altLang="en-US" smtClean="0"/>
-              <a:t>2022-11-28</a:t>
+              <a:t>2022-12-07</a:t>
             </a:fld>
             <a:endParaRPr lang="ko-KR" altLang="en-US"/>
           </a:p>
@@ -3528,7 +3262,7 @@
           <a:p>
             <a:fld id="{FEA26E7E-3E88-460E-8822-38B8A52A34D9}" type="datetimeFigureOut">
               <a:rPr lang="ko-KR" altLang="en-US" smtClean="0"/>
-              <a:t>2022-11-28</a:t>
+              <a:t>2022-12-07</a:t>
             </a:fld>
             <a:endParaRPr lang="ko-KR" altLang="en-US"/>
           </a:p>
@@ -4547,458 +4281,817 @@
           <a:chExt cx="0" cy="0"/>
         </a:xfrm>
       </p:grpSpPr>
-      <p:sp>
-        <p:nvSpPr>
-          <p:cNvPr id="3" name="제목 3">
-            <a:extLst>
-              <a:ext uri="{FF2B5EF4-FFF2-40B4-BE49-F238E27FC236}">
-                <a16:creationId xmlns:a16="http://schemas.microsoft.com/office/drawing/2014/main" id="{23463208-2418-497D-A0F4-A074653C3B7F}"/>
-              </a:ext>
-            </a:extLst>
-          </p:cNvPr>
-          <p:cNvSpPr>
-            <a:spLocks noGrp="1"/>
-          </p:cNvSpPr>
-          <p:nvPr>
-            <p:ph type="title"/>
-          </p:nvPr>
-        </p:nvSpPr>
-        <p:spPr>
+      <p:grpSp>
+        <p:nvGrpSpPr>
+          <p:cNvPr id="29" name="그룹 28">
+            <a:extLst>
+              <a:ext uri="{FF2B5EF4-FFF2-40B4-BE49-F238E27FC236}">
+                <a16:creationId xmlns:a16="http://schemas.microsoft.com/office/drawing/2014/main" id="{2B093FF2-010A-6DD6-9B98-6FB792CD6390}"/>
+              </a:ext>
+            </a:extLst>
+          </p:cNvPr>
+          <p:cNvGrpSpPr/>
+          <p:nvPr/>
+        </p:nvGrpSpPr>
+        <p:grpSpPr>
           <a:xfrm>
-            <a:off x="304800" y="202455"/>
-            <a:ext cx="6707972" cy="871471"/>
+            <a:off x="2861911" y="598039"/>
+            <a:ext cx="6468177" cy="5661922"/>
+            <a:chOff x="2396689" y="495038"/>
+            <a:chExt cx="6468177" cy="5661922"/>
           </a:xfrm>
-        </p:spPr>
-        <p:txBody>
-          <a:bodyPr>
-            <a:normAutofit fontScale="90000"/>
-          </a:bodyPr>
-          <a:lstStyle/>
-          <a:p>
-            <a:r>
-              <a:rPr lang="ko-KR" altLang="en-US" sz="3600" dirty="0"/>
-              <a:t>블록</a:t>
-            </a:r>
-            <a:r>
-              <a:rPr lang="en-US" altLang="ko-KR" sz="3600" dirty="0"/>
-              <a:t> </a:t>
-            </a:r>
-            <a:r>
-              <a:rPr lang="ko-KR" altLang="en-US" sz="3600" dirty="0"/>
-              <a:t>다이어그램 및 업무 절차도</a:t>
-            </a:r>
-          </a:p>
-        </p:txBody>
-      </p:sp>
-      <p:pic>
-        <p:nvPicPr>
-          <p:cNvPr id="5" name="그림 4" descr="텍스트이(가) 표시된 사진&#10;&#10;자동 생성된 설명">
-            <a:extLst>
-              <a:ext uri="{FF2B5EF4-FFF2-40B4-BE49-F238E27FC236}">
-                <a16:creationId xmlns:a16="http://schemas.microsoft.com/office/drawing/2014/main" id="{B5C320B5-3927-459B-845E-93AFD8CA8382}"/>
-              </a:ext>
-            </a:extLst>
-          </p:cNvPr>
-          <p:cNvPicPr>
-            <a:picLocks noChangeAspect="1"/>
-          </p:cNvPicPr>
-          <p:nvPr/>
-        </p:nvPicPr>
-        <p:blipFill>
-          <a:blip r:embed="rId5">
-            <a:extLst>
-              <a:ext uri="{28A0092B-C50C-407E-A947-70E740481C1C}">
-                <a14:useLocalDpi xmlns:a14="http://schemas.microsoft.com/office/drawing/2010/main" val="0"/>
-              </a:ext>
-            </a:extLst>
-          </a:blip>
-          <a:stretch>
-            <a:fillRect/>
-          </a:stretch>
-        </p:blipFill>
-        <p:spPr>
-          <a:xfrm>
-            <a:off x="2559818" y="1073926"/>
-            <a:ext cx="7072364" cy="4710147"/>
-          </a:xfrm>
-          <a:prstGeom prst="rect">
-            <a:avLst/>
-          </a:prstGeom>
-        </p:spPr>
-      </p:pic>
-      <p:pic>
-        <p:nvPicPr>
-          <p:cNvPr id="15" name="오디오 14">
-            <a:hlinkClick r:id="" action="ppaction://media"/>
-            <a:extLst>
-              <a:ext uri="{FF2B5EF4-FFF2-40B4-BE49-F238E27FC236}">
-                <a16:creationId xmlns:a16="http://schemas.microsoft.com/office/drawing/2014/main" id="{691070B2-F070-4928-8251-306ABFBC80E7}"/>
-              </a:ext>
-            </a:extLst>
-          </p:cNvPr>
-          <p:cNvPicPr>
-            <a:picLocks noChangeAspect="1"/>
-          </p:cNvPicPr>
-          <p:nvPr>
-            <a:audioFile r:link="rId2"/>
-            <p:extLst>
-              <p:ext uri="{DAA4B4D4-6D71-4841-9C94-3DE7FCFB9230}">
-                <p14:media xmlns:p14="http://schemas.microsoft.com/office/powerpoint/2010/main" r:embed="rId1"/>
-              </p:ext>
-            </p:extLst>
-          </p:nvPr>
-        </p:nvPicPr>
-        <p:blipFill>
-          <a:blip r:embed="rId6"/>
-          <a:stretch>
-            <a:fillRect/>
-          </a:stretch>
-        </p:blipFill>
-        <p:spPr>
-          <a:xfrm>
-            <a:off x="11671300" y="6337300"/>
-            <a:ext cx="304800" cy="304800"/>
-          </a:xfrm>
-          <a:prstGeom prst="rect">
-            <a:avLst/>
-          </a:prstGeom>
-        </p:spPr>
-      </p:pic>
-    </p:spTree>
-  </p:cSld>
-  <p:clrMapOvr>
-    <a:masterClrMapping/>
-  </p:clrMapOvr>
-  <mc:AlternateContent xmlns:mc="http://schemas.openxmlformats.org/markup-compatibility/2006" xmlns:p14="http://schemas.microsoft.com/office/powerpoint/2010/main">
-    <mc:Choice Requires="p14">
-      <p:transition spd="slow" p14:dur="2000" advTm="69618"/>
-    </mc:Choice>
-    <mc:Fallback xmlns="">
-      <p:transition spd="slow" advTm="69618"/>
-    </mc:Fallback>
-  </mc:AlternateContent>
-  <p:timing>
-    <p:tnLst>
-      <p:par>
-        <p:cTn id="1" dur="indefinite" restart="never" nodeType="tmRoot">
-          <p:childTnLst>
-            <p:seq concurrent="1" nextAc="seek">
-              <p:cTn id="2" dur="indefinite" nodeType="mainSeq">
-                <p:childTnLst>
-                  <p:par>
-                    <p:cTn id="3" fill="hold">
-                      <p:stCondLst>
-                        <p:cond delay="indefinite"/>
-                        <p:cond evt="onBegin" delay="0">
-                          <p:tn val="2"/>
-                        </p:cond>
-                      </p:stCondLst>
-                      <p:childTnLst>
-                        <p:par>
-                          <p:cTn id="4" fill="hold">
-                            <p:stCondLst>
-                              <p:cond delay="0"/>
-                            </p:stCondLst>
-                            <p:childTnLst>
-                              <p:par>
-                                <p:cTn id="5" presetID="1" presetClass="mediacall" presetSubtype="0" fill="hold" nodeType="afterEffect">
-                                  <p:stCondLst>
-                                    <p:cond delay="0"/>
-                                  </p:stCondLst>
-                                  <p:childTnLst>
-                                    <p:cmd type="call" cmd="playFrom(0.0)">
-                                      <p:cBhvr>
-                                        <p:cTn id="6" dur="1" fill="hold"/>
-                                        <p:tgtEl>
-                                          <p:spTgt spid="15"/>
-                                        </p:tgtEl>
-                                      </p:cBhvr>
-                                    </p:cmd>
-                                  </p:childTnLst>
-                                </p:cTn>
-                              </p:par>
-                            </p:childTnLst>
-                          </p:cTn>
-                        </p:par>
-                      </p:childTnLst>
-                    </p:cTn>
-                  </p:par>
-                </p:childTnLst>
-              </p:cTn>
-              <p:prevCondLst>
-                <p:cond evt="onPrev" delay="0">
-                  <p:tgtEl>
-                    <p:sldTgt/>
-                  </p:tgtEl>
-                </p:cond>
-              </p:prevCondLst>
-              <p:nextCondLst>
-                <p:cond evt="onNext" delay="0">
-                  <p:tgtEl>
-                    <p:sldTgt/>
-                  </p:tgtEl>
-                </p:cond>
-              </p:nextCondLst>
-            </p:seq>
-            <p:audio isNarration="1">
-              <p:cMediaNode vol="4545" showWhenStopped="0">
-                <p:cTn id="7" fill="hold" display="0">
-                  <p:stCondLst>
-                    <p:cond delay="indefinite"/>
-                  </p:stCondLst>
-                  <p:endCondLst>
-                    <p:cond evt="onStopAudio" delay="0">
-                      <p:tgtEl>
-                        <p:sldTgt/>
-                      </p:tgtEl>
-                    </p:cond>
-                  </p:endCondLst>
-                </p:cTn>
-                <p:tgtEl>
-                  <p:spTgt spid="15"/>
-                </p:tgtEl>
-              </p:cMediaNode>
-            </p:audio>
-          </p:childTnLst>
-        </p:cTn>
-      </p:par>
-    </p:tnLst>
-  </p:timing>
-</p:sld>
-</file>
-
-<file path=ppt/slides/slide3.xml><?xml version="1.0" encoding="utf-8"?>
-<p:sld xmlns:a="http://schemas.openxmlformats.org/drawingml/2006/main" xmlns:r="http://schemas.openxmlformats.org/officeDocument/2006/relationships" xmlns:p="http://schemas.openxmlformats.org/presentationml/2006/main">
-  <p:cSld>
-    <p:spTree>
-      <p:nvGrpSpPr>
-        <p:cNvPr id="1" name=""/>
-        <p:cNvGrpSpPr/>
-        <p:nvPr/>
-      </p:nvGrpSpPr>
-      <p:grpSpPr>
-        <a:xfrm>
-          <a:off x="0" y="0"/>
-          <a:ext cx="0" cy="0"/>
-          <a:chOff x="0" y="0"/>
-          <a:chExt cx="0" cy="0"/>
-        </a:xfrm>
-      </p:grpSpPr>
-      <p:sp>
-        <p:nvSpPr>
-          <p:cNvPr id="6" name="직사각형 5">
-            <a:extLst>
-              <a:ext uri="{FF2B5EF4-FFF2-40B4-BE49-F238E27FC236}">
-                <a16:creationId xmlns:a16="http://schemas.microsoft.com/office/drawing/2014/main" id="{19379586-918B-464D-AAB1-66C288243C2A}"/>
-              </a:ext>
-            </a:extLst>
-          </p:cNvPr>
-          <p:cNvSpPr/>
-          <p:nvPr/>
-        </p:nvSpPr>
-        <p:spPr>
-          <a:xfrm>
-            <a:off x="2396689" y="895148"/>
-            <a:ext cx="2338939" cy="5563403"/>
-          </a:xfrm>
-          <a:prstGeom prst="rect">
-            <a:avLst/>
-          </a:prstGeom>
-        </p:spPr>
-        <p:style>
-          <a:lnRef idx="2">
-            <a:schemeClr val="accent1">
-              <a:shade val="50000"/>
-            </a:schemeClr>
-          </a:lnRef>
-          <a:fillRef idx="1">
-            <a:schemeClr val="accent1"/>
-          </a:fillRef>
-          <a:effectRef idx="0">
-            <a:schemeClr val="accent1"/>
-          </a:effectRef>
-          <a:fontRef idx="minor">
-            <a:schemeClr val="lt1"/>
-          </a:fontRef>
-        </p:style>
-        <p:txBody>
-          <a:bodyPr rtlCol="0" anchor="ctr"/>
-          <a:lstStyle/>
-          <a:p>
-            <a:pPr algn="ctr"/>
-            <a:endParaRPr lang="ko-KR" altLang="en-US"/>
-          </a:p>
-        </p:txBody>
-      </p:sp>
-      <p:sp>
-        <p:nvSpPr>
-          <p:cNvPr id="7" name="직사각형 6">
-            <a:extLst>
-              <a:ext uri="{FF2B5EF4-FFF2-40B4-BE49-F238E27FC236}">
-                <a16:creationId xmlns:a16="http://schemas.microsoft.com/office/drawing/2014/main" id="{024F06C2-0C25-4FD6-8189-E50CAD248478}"/>
-              </a:ext>
-            </a:extLst>
-          </p:cNvPr>
-          <p:cNvSpPr/>
-          <p:nvPr/>
-        </p:nvSpPr>
-        <p:spPr>
-          <a:xfrm>
-            <a:off x="6525927" y="895149"/>
-            <a:ext cx="2338939" cy="5563402"/>
-          </a:xfrm>
-          <a:prstGeom prst="rect">
-            <a:avLst/>
-          </a:prstGeom>
-        </p:spPr>
-        <p:style>
-          <a:lnRef idx="2">
-            <a:schemeClr val="accent1">
-              <a:shade val="50000"/>
-            </a:schemeClr>
-          </a:lnRef>
-          <a:fillRef idx="1">
-            <a:schemeClr val="accent1"/>
-          </a:fillRef>
-          <a:effectRef idx="0">
-            <a:schemeClr val="accent1"/>
-          </a:effectRef>
-          <a:fontRef idx="minor">
-            <a:schemeClr val="lt1"/>
-          </a:fontRef>
-        </p:style>
-        <p:txBody>
-          <a:bodyPr rtlCol="0" anchor="ctr"/>
-          <a:lstStyle/>
-          <a:p>
-            <a:pPr algn="ctr"/>
-            <a:endParaRPr lang="ko-KR" altLang="en-US"/>
-          </a:p>
-        </p:txBody>
-      </p:sp>
-      <p:sp>
-        <p:nvSpPr>
-          <p:cNvPr id="8" name="TextBox 7">
-            <a:extLst>
-              <a:ext uri="{FF2B5EF4-FFF2-40B4-BE49-F238E27FC236}">
-                <a16:creationId xmlns:a16="http://schemas.microsoft.com/office/drawing/2014/main" id="{45EBB602-B613-4517-9891-3A9CF92BBD09}"/>
-              </a:ext>
-            </a:extLst>
-          </p:cNvPr>
-          <p:cNvSpPr txBox="1"/>
-          <p:nvPr/>
-        </p:nvSpPr>
-        <p:spPr>
-          <a:xfrm>
-            <a:off x="2471777" y="495038"/>
-            <a:ext cx="2188761" cy="400110"/>
-          </a:xfrm>
-          <a:prstGeom prst="rect">
-            <a:avLst/>
-          </a:prstGeom>
-          <a:noFill/>
-        </p:spPr>
-        <p:txBody>
-          <a:bodyPr wrap="square" rtlCol="0">
-            <a:spAutoFit/>
-          </a:bodyPr>
-          <a:lstStyle/>
-          <a:p>
-            <a:pPr algn="ctr"/>
-            <a:r>
-              <a:rPr lang="en-US" altLang="ko-KR" sz="2000" dirty="0"/>
-              <a:t>User</a:t>
-            </a:r>
-            <a:endParaRPr lang="ko-KR" altLang="en-US" sz="2000" dirty="0"/>
-          </a:p>
-        </p:txBody>
-      </p:sp>
-      <p:sp>
-        <p:nvSpPr>
-          <p:cNvPr id="9" name="TextBox 8">
-            <a:extLst>
-              <a:ext uri="{FF2B5EF4-FFF2-40B4-BE49-F238E27FC236}">
-                <a16:creationId xmlns:a16="http://schemas.microsoft.com/office/drawing/2014/main" id="{2993681B-A259-4501-836B-20CBB2DE6AAF}"/>
-              </a:ext>
-            </a:extLst>
-          </p:cNvPr>
-          <p:cNvSpPr txBox="1"/>
-          <p:nvPr/>
-        </p:nvSpPr>
-        <p:spPr>
-          <a:xfrm>
-            <a:off x="6601015" y="495038"/>
-            <a:ext cx="2188761" cy="400110"/>
-          </a:xfrm>
-          <a:prstGeom prst="rect">
-            <a:avLst/>
-          </a:prstGeom>
-          <a:noFill/>
-        </p:spPr>
-        <p:txBody>
-          <a:bodyPr wrap="square" rtlCol="0">
-            <a:spAutoFit/>
-          </a:bodyPr>
-          <a:lstStyle/>
-          <a:p>
-            <a:pPr algn="ctr"/>
-            <a:r>
-              <a:rPr lang="en-US" altLang="ko-KR" sz="2000" dirty="0"/>
-              <a:t>Database</a:t>
-            </a:r>
-            <a:endParaRPr lang="ko-KR" altLang="en-US" sz="2000" dirty="0"/>
-          </a:p>
-        </p:txBody>
-      </p:sp>
-      <p:sp>
-        <p:nvSpPr>
-          <p:cNvPr id="10" name="사각형: 둥근 모서리 9">
-            <a:extLst>
-              <a:ext uri="{FF2B5EF4-FFF2-40B4-BE49-F238E27FC236}">
-                <a16:creationId xmlns:a16="http://schemas.microsoft.com/office/drawing/2014/main" id="{81873580-01C2-4B96-9DFB-CA65B4FA2930}"/>
-              </a:ext>
-            </a:extLst>
-          </p:cNvPr>
-          <p:cNvSpPr/>
-          <p:nvPr/>
-        </p:nvSpPr>
-        <p:spPr>
-          <a:xfrm>
-            <a:off x="2627693" y="1761424"/>
-            <a:ext cx="1876928" cy="914400"/>
-          </a:xfrm>
-          <a:prstGeom prst="roundRect">
-            <a:avLst/>
-          </a:prstGeom>
-          <a:solidFill>
-            <a:schemeClr val="bg1"/>
-          </a:solidFill>
-        </p:spPr>
-        <p:style>
-          <a:lnRef idx="2">
-            <a:schemeClr val="accent1">
-              <a:shade val="50000"/>
-            </a:schemeClr>
-          </a:lnRef>
-          <a:fillRef idx="1">
-            <a:schemeClr val="accent1"/>
-          </a:fillRef>
-          <a:effectRef idx="0">
-            <a:schemeClr val="accent1"/>
-          </a:effectRef>
-          <a:fontRef idx="minor">
-            <a:schemeClr val="lt1"/>
-          </a:fontRef>
-        </p:style>
-        <p:txBody>
-          <a:bodyPr rtlCol="0" anchor="ctr"/>
-          <a:lstStyle/>
-          <a:p>
-            <a:pPr algn="ctr"/>
-            <a:endParaRPr lang="ko-KR" altLang="en-US" dirty="0"/>
-          </a:p>
-        </p:txBody>
-      </p:sp>
+        </p:grpSpPr>
+        <p:sp>
+          <p:nvSpPr>
+            <p:cNvPr id="6" name="직사각형 5">
+              <a:extLst>
+                <a:ext uri="{FF2B5EF4-FFF2-40B4-BE49-F238E27FC236}">
+                  <a16:creationId xmlns:a16="http://schemas.microsoft.com/office/drawing/2014/main" id="{19379586-918B-464D-AAB1-66C288243C2A}"/>
+                </a:ext>
+              </a:extLst>
+            </p:cNvPr>
+            <p:cNvSpPr/>
+            <p:nvPr/>
+          </p:nvSpPr>
+          <p:spPr>
+            <a:xfrm>
+              <a:off x="2396689" y="895149"/>
+              <a:ext cx="2338939" cy="5261811"/>
+            </a:xfrm>
+            <a:prstGeom prst="rect">
+              <a:avLst/>
+            </a:prstGeom>
+            <a:solidFill>
+              <a:schemeClr val="bg1"/>
+            </a:solidFill>
+            <a:ln>
+              <a:solidFill>
+                <a:schemeClr val="tx1"/>
+              </a:solidFill>
+            </a:ln>
+            <a:effectLst>
+              <a:outerShdw blurRad="50800" dist="38100" dir="5400000" algn="t" rotWithShape="0">
+                <a:prstClr val="black">
+                  <a:alpha val="40000"/>
+                </a:prstClr>
+              </a:outerShdw>
+            </a:effectLst>
+          </p:spPr>
+          <p:style>
+            <a:lnRef idx="2">
+              <a:schemeClr val="accent1">
+                <a:shade val="50000"/>
+              </a:schemeClr>
+            </a:lnRef>
+            <a:fillRef idx="1">
+              <a:schemeClr val="accent1"/>
+            </a:fillRef>
+            <a:effectRef idx="0">
+              <a:schemeClr val="accent1"/>
+            </a:effectRef>
+            <a:fontRef idx="minor">
+              <a:schemeClr val="lt1"/>
+            </a:fontRef>
+          </p:style>
+          <p:txBody>
+            <a:bodyPr rtlCol="0" anchor="ctr"/>
+            <a:lstStyle/>
+            <a:p>
+              <a:pPr algn="ctr"/>
+              <a:endParaRPr lang="ko-KR" altLang="en-US"/>
+            </a:p>
+          </p:txBody>
+        </p:sp>
+        <p:sp>
+          <p:nvSpPr>
+            <p:cNvPr id="7" name="직사각형 6">
+              <a:extLst>
+                <a:ext uri="{FF2B5EF4-FFF2-40B4-BE49-F238E27FC236}">
+                  <a16:creationId xmlns:a16="http://schemas.microsoft.com/office/drawing/2014/main" id="{024F06C2-0C25-4FD6-8189-E50CAD248478}"/>
+                </a:ext>
+              </a:extLst>
+            </p:cNvPr>
+            <p:cNvSpPr/>
+            <p:nvPr/>
+          </p:nvSpPr>
+          <p:spPr>
+            <a:xfrm>
+              <a:off x="6525927" y="895149"/>
+              <a:ext cx="2338939" cy="1451811"/>
+            </a:xfrm>
+            <a:prstGeom prst="rect">
+              <a:avLst/>
+            </a:prstGeom>
+            <a:solidFill>
+              <a:schemeClr val="bg1"/>
+            </a:solidFill>
+            <a:ln>
+              <a:solidFill>
+                <a:schemeClr val="tx1"/>
+              </a:solidFill>
+            </a:ln>
+            <a:effectLst>
+              <a:outerShdw blurRad="50800" dist="38100" dir="5400000" algn="t" rotWithShape="0">
+                <a:prstClr val="black">
+                  <a:alpha val="40000"/>
+                </a:prstClr>
+              </a:outerShdw>
+            </a:effectLst>
+          </p:spPr>
+          <p:style>
+            <a:lnRef idx="2">
+              <a:schemeClr val="accent1">
+                <a:shade val="50000"/>
+              </a:schemeClr>
+            </a:lnRef>
+            <a:fillRef idx="1">
+              <a:schemeClr val="accent1"/>
+            </a:fillRef>
+            <a:effectRef idx="0">
+              <a:schemeClr val="accent1"/>
+            </a:effectRef>
+            <a:fontRef idx="minor">
+              <a:schemeClr val="lt1"/>
+            </a:fontRef>
+          </p:style>
+          <p:txBody>
+            <a:bodyPr rtlCol="0" anchor="ctr"/>
+            <a:lstStyle/>
+            <a:p>
+              <a:pPr algn="ctr"/>
+              <a:endParaRPr lang="ko-KR" altLang="en-US"/>
+            </a:p>
+          </p:txBody>
+        </p:sp>
+        <p:sp>
+          <p:nvSpPr>
+            <p:cNvPr id="8" name="TextBox 7">
+              <a:extLst>
+                <a:ext uri="{FF2B5EF4-FFF2-40B4-BE49-F238E27FC236}">
+                  <a16:creationId xmlns:a16="http://schemas.microsoft.com/office/drawing/2014/main" id="{45EBB602-B613-4517-9891-3A9CF92BBD09}"/>
+                </a:ext>
+              </a:extLst>
+            </p:cNvPr>
+            <p:cNvSpPr txBox="1"/>
+            <p:nvPr/>
+          </p:nvSpPr>
+          <p:spPr>
+            <a:xfrm>
+              <a:off x="2471777" y="495038"/>
+              <a:ext cx="2188761" cy="400110"/>
+            </a:xfrm>
+            <a:prstGeom prst="rect">
+              <a:avLst/>
+            </a:prstGeom>
+            <a:noFill/>
+          </p:spPr>
+          <p:txBody>
+            <a:bodyPr wrap="square" rtlCol="0">
+              <a:spAutoFit/>
+            </a:bodyPr>
+            <a:lstStyle/>
+            <a:p>
+              <a:pPr algn="ctr"/>
+              <a:r>
+                <a:rPr lang="en-US" altLang="ko-KR" sz="2000" dirty="0"/>
+                <a:t>User</a:t>
+              </a:r>
+              <a:endParaRPr lang="ko-KR" altLang="en-US" sz="2000" dirty="0"/>
+            </a:p>
+          </p:txBody>
+        </p:sp>
+        <p:sp>
+          <p:nvSpPr>
+            <p:cNvPr id="9" name="TextBox 8">
+              <a:extLst>
+                <a:ext uri="{FF2B5EF4-FFF2-40B4-BE49-F238E27FC236}">
+                  <a16:creationId xmlns:a16="http://schemas.microsoft.com/office/drawing/2014/main" id="{2993681B-A259-4501-836B-20CBB2DE6AAF}"/>
+                </a:ext>
+              </a:extLst>
+            </p:cNvPr>
+            <p:cNvSpPr txBox="1"/>
+            <p:nvPr/>
+          </p:nvSpPr>
+          <p:spPr>
+            <a:xfrm>
+              <a:off x="6601015" y="495038"/>
+              <a:ext cx="2188761" cy="400110"/>
+            </a:xfrm>
+            <a:prstGeom prst="rect">
+              <a:avLst/>
+            </a:prstGeom>
+            <a:noFill/>
+          </p:spPr>
+          <p:txBody>
+            <a:bodyPr wrap="square" rtlCol="0">
+              <a:spAutoFit/>
+            </a:bodyPr>
+            <a:lstStyle/>
+            <a:p>
+              <a:pPr algn="ctr"/>
+              <a:r>
+                <a:rPr lang="ko-KR" altLang="en-US" sz="2000" dirty="0"/>
+                <a:t>로컬 </a:t>
+              </a:r>
+              <a:r>
+                <a:rPr lang="en-US" altLang="ko-KR" sz="2000" dirty="0"/>
+                <a:t>DB</a:t>
+              </a:r>
+              <a:endParaRPr lang="ko-KR" altLang="en-US" sz="2000" dirty="0"/>
+            </a:p>
+          </p:txBody>
+        </p:sp>
+        <p:sp>
+          <p:nvSpPr>
+            <p:cNvPr id="10" name="사각형: 둥근 모서리 9">
+              <a:extLst>
+                <a:ext uri="{FF2B5EF4-FFF2-40B4-BE49-F238E27FC236}">
+                  <a16:creationId xmlns:a16="http://schemas.microsoft.com/office/drawing/2014/main" id="{81873580-01C2-4B96-9DFB-CA65B4FA2930}"/>
+                </a:ext>
+              </a:extLst>
+            </p:cNvPr>
+            <p:cNvSpPr/>
+            <p:nvPr/>
+          </p:nvSpPr>
+          <p:spPr>
+            <a:xfrm>
+              <a:off x="2619472" y="1151410"/>
+              <a:ext cx="1876928" cy="914400"/>
+            </a:xfrm>
+            <a:prstGeom prst="roundRect">
+              <a:avLst/>
+            </a:prstGeom>
+            <a:solidFill>
+              <a:schemeClr val="bg1"/>
+            </a:solidFill>
+            <a:ln>
+              <a:solidFill>
+                <a:schemeClr val="tx1"/>
+              </a:solidFill>
+            </a:ln>
+          </p:spPr>
+          <p:style>
+            <a:lnRef idx="2">
+              <a:schemeClr val="accent1">
+                <a:shade val="50000"/>
+              </a:schemeClr>
+            </a:lnRef>
+            <a:fillRef idx="1">
+              <a:schemeClr val="accent1"/>
+            </a:fillRef>
+            <a:effectRef idx="0">
+              <a:schemeClr val="accent1"/>
+            </a:effectRef>
+            <a:fontRef idx="minor">
+              <a:schemeClr val="lt1"/>
+            </a:fontRef>
+          </p:style>
+          <p:txBody>
+            <a:bodyPr rtlCol="0" anchor="ctr"/>
+            <a:lstStyle/>
+            <a:p>
+              <a:pPr algn="ctr"/>
+              <a:r>
+                <a:rPr lang="en-US" altLang="ko-KR" dirty="0" err="1">
+                  <a:solidFill>
+                    <a:schemeClr val="tx1"/>
+                  </a:solidFill>
+                </a:rPr>
+                <a:t>MemoRecorder</a:t>
+              </a:r>
+              <a:endParaRPr lang="en-US" altLang="ko-KR" dirty="0">
+                <a:solidFill>
+                  <a:schemeClr val="tx1"/>
+                </a:solidFill>
+              </a:endParaRPr>
+            </a:p>
+            <a:p>
+              <a:pPr algn="ctr"/>
+              <a:r>
+                <a:rPr lang="ko-KR" altLang="en-US" sz="1600" dirty="0">
+                  <a:solidFill>
+                    <a:schemeClr val="tx1"/>
+                  </a:solidFill>
+                </a:rPr>
+                <a:t>음성 녹음을 시작</a:t>
+              </a:r>
+              <a:endParaRPr lang="ko-KR" altLang="en-US" dirty="0">
+                <a:solidFill>
+                  <a:schemeClr val="tx1"/>
+                </a:solidFill>
+              </a:endParaRPr>
+            </a:p>
+          </p:txBody>
+        </p:sp>
+        <p:sp>
+          <p:nvSpPr>
+            <p:cNvPr id="2" name="사각형: 둥근 모서리 1">
+              <a:extLst>
+                <a:ext uri="{FF2B5EF4-FFF2-40B4-BE49-F238E27FC236}">
+                  <a16:creationId xmlns:a16="http://schemas.microsoft.com/office/drawing/2014/main" id="{665EC2BA-BA2C-7FAE-5A4C-237A5727D3B6}"/>
+                </a:ext>
+              </a:extLst>
+            </p:cNvPr>
+            <p:cNvSpPr/>
+            <p:nvPr/>
+          </p:nvSpPr>
+          <p:spPr>
+            <a:xfrm>
+              <a:off x="2619472" y="2429706"/>
+              <a:ext cx="1876928" cy="914400"/>
+            </a:xfrm>
+            <a:prstGeom prst="roundRect">
+              <a:avLst/>
+            </a:prstGeom>
+            <a:solidFill>
+              <a:schemeClr val="bg1"/>
+            </a:solidFill>
+            <a:ln>
+              <a:solidFill>
+                <a:schemeClr val="tx1"/>
+              </a:solidFill>
+            </a:ln>
+          </p:spPr>
+          <p:style>
+            <a:lnRef idx="2">
+              <a:schemeClr val="accent1">
+                <a:shade val="50000"/>
+              </a:schemeClr>
+            </a:lnRef>
+            <a:fillRef idx="1">
+              <a:schemeClr val="accent1"/>
+            </a:fillRef>
+            <a:effectRef idx="0">
+              <a:schemeClr val="accent1"/>
+            </a:effectRef>
+            <a:fontRef idx="minor">
+              <a:schemeClr val="lt1"/>
+            </a:fontRef>
+          </p:style>
+          <p:txBody>
+            <a:bodyPr rtlCol="0" anchor="ctr"/>
+            <a:lstStyle/>
+            <a:p>
+              <a:pPr algn="ctr"/>
+              <a:r>
+                <a:rPr lang="en-US" altLang="ko-KR" dirty="0" err="1">
+                  <a:solidFill>
+                    <a:schemeClr val="tx1"/>
+                  </a:solidFill>
+                </a:rPr>
+                <a:t>MemoSaver</a:t>
+              </a:r>
+              <a:endParaRPr lang="en-US" altLang="ko-KR" dirty="0">
+                <a:solidFill>
+                  <a:schemeClr val="tx1"/>
+                </a:solidFill>
+              </a:endParaRPr>
+            </a:p>
+            <a:p>
+              <a:pPr algn="ctr"/>
+              <a:r>
+                <a:rPr lang="ko-KR" altLang="en-US" sz="1600" dirty="0">
+                  <a:solidFill>
+                    <a:schemeClr val="tx1"/>
+                  </a:solidFill>
+                </a:rPr>
+                <a:t>녹음 파일을 저장</a:t>
+              </a:r>
+              <a:endParaRPr lang="ko-KR" altLang="en-US" dirty="0">
+                <a:solidFill>
+                  <a:schemeClr val="tx1"/>
+                </a:solidFill>
+              </a:endParaRPr>
+            </a:p>
+          </p:txBody>
+        </p:sp>
+        <p:sp>
+          <p:nvSpPr>
+            <p:cNvPr id="4" name="사각형: 둥근 모서리 3">
+              <a:extLst>
+                <a:ext uri="{FF2B5EF4-FFF2-40B4-BE49-F238E27FC236}">
+                  <a16:creationId xmlns:a16="http://schemas.microsoft.com/office/drawing/2014/main" id="{B75BB7BD-2859-3CE4-D9FC-FA997EB7AA70}"/>
+                </a:ext>
+              </a:extLst>
+            </p:cNvPr>
+            <p:cNvSpPr/>
+            <p:nvPr/>
+          </p:nvSpPr>
+          <p:spPr>
+            <a:xfrm>
+              <a:off x="2619472" y="3708002"/>
+              <a:ext cx="1876928" cy="914400"/>
+            </a:xfrm>
+            <a:prstGeom prst="roundRect">
+              <a:avLst/>
+            </a:prstGeom>
+            <a:solidFill>
+              <a:schemeClr val="bg1"/>
+            </a:solidFill>
+            <a:ln>
+              <a:solidFill>
+                <a:schemeClr val="tx1"/>
+              </a:solidFill>
+            </a:ln>
+          </p:spPr>
+          <p:style>
+            <a:lnRef idx="2">
+              <a:schemeClr val="accent1">
+                <a:shade val="50000"/>
+              </a:schemeClr>
+            </a:lnRef>
+            <a:fillRef idx="1">
+              <a:schemeClr val="accent1"/>
+            </a:fillRef>
+            <a:effectRef idx="0">
+              <a:schemeClr val="accent1"/>
+            </a:effectRef>
+            <a:fontRef idx="minor">
+              <a:schemeClr val="lt1"/>
+            </a:fontRef>
+          </p:style>
+          <p:txBody>
+            <a:bodyPr rtlCol="0" anchor="ctr"/>
+            <a:lstStyle/>
+            <a:p>
+              <a:pPr algn="ctr"/>
+              <a:r>
+                <a:rPr lang="en-US" altLang="ko-KR" dirty="0" err="1">
+                  <a:solidFill>
+                    <a:schemeClr val="tx1"/>
+                  </a:solidFill>
+                </a:rPr>
+                <a:t>FileList</a:t>
+              </a:r>
+              <a:endParaRPr lang="en-US" altLang="ko-KR" dirty="0">
+                <a:solidFill>
+                  <a:schemeClr val="tx1"/>
+                </a:solidFill>
+              </a:endParaRPr>
+            </a:p>
+            <a:p>
+              <a:pPr algn="ctr"/>
+              <a:r>
+                <a:rPr lang="ko-KR" altLang="en-US" sz="1600" dirty="0">
+                  <a:solidFill>
+                    <a:schemeClr val="tx1"/>
+                  </a:solidFill>
+                </a:rPr>
+                <a:t>메모 파일 목록</a:t>
+              </a:r>
+              <a:endParaRPr lang="ko-KR" altLang="en-US" dirty="0">
+                <a:solidFill>
+                  <a:schemeClr val="tx1"/>
+                </a:solidFill>
+              </a:endParaRPr>
+            </a:p>
+          </p:txBody>
+        </p:sp>
+        <p:sp>
+          <p:nvSpPr>
+            <p:cNvPr id="5" name="사각형: 둥근 모서리 4">
+              <a:extLst>
+                <a:ext uri="{FF2B5EF4-FFF2-40B4-BE49-F238E27FC236}">
+                  <a16:creationId xmlns:a16="http://schemas.microsoft.com/office/drawing/2014/main" id="{D3634477-3C78-C937-A80E-381655400084}"/>
+                </a:ext>
+              </a:extLst>
+            </p:cNvPr>
+            <p:cNvSpPr/>
+            <p:nvPr/>
+          </p:nvSpPr>
+          <p:spPr>
+            <a:xfrm>
+              <a:off x="2619472" y="4986298"/>
+              <a:ext cx="1876928" cy="914400"/>
+            </a:xfrm>
+            <a:prstGeom prst="roundRect">
+              <a:avLst/>
+            </a:prstGeom>
+            <a:solidFill>
+              <a:schemeClr val="bg1"/>
+            </a:solidFill>
+            <a:ln>
+              <a:solidFill>
+                <a:schemeClr val="tx1"/>
+              </a:solidFill>
+            </a:ln>
+          </p:spPr>
+          <p:style>
+            <a:lnRef idx="2">
+              <a:schemeClr val="accent1">
+                <a:shade val="50000"/>
+              </a:schemeClr>
+            </a:lnRef>
+            <a:fillRef idx="1">
+              <a:schemeClr val="accent1"/>
+            </a:fillRef>
+            <a:effectRef idx="0">
+              <a:schemeClr val="accent1"/>
+            </a:effectRef>
+            <a:fontRef idx="minor">
+              <a:schemeClr val="lt1"/>
+            </a:fontRef>
+          </p:style>
+          <p:txBody>
+            <a:bodyPr rtlCol="0" anchor="ctr"/>
+            <a:lstStyle/>
+            <a:p>
+              <a:pPr algn="ctr"/>
+              <a:r>
+                <a:rPr lang="en-US" altLang="ko-KR" dirty="0" err="1">
+                  <a:solidFill>
+                    <a:schemeClr val="tx1"/>
+                  </a:solidFill>
+                </a:rPr>
+                <a:t>MemoPlayer</a:t>
+              </a:r>
+              <a:endParaRPr lang="en-US" altLang="ko-KR" dirty="0">
+                <a:solidFill>
+                  <a:schemeClr val="tx1"/>
+                </a:solidFill>
+              </a:endParaRPr>
+            </a:p>
+            <a:p>
+              <a:pPr algn="ctr"/>
+              <a:r>
+                <a:rPr lang="ko-KR" altLang="en-US" sz="1600" dirty="0">
+                  <a:solidFill>
+                    <a:schemeClr val="tx1"/>
+                  </a:solidFill>
+                </a:rPr>
+                <a:t>음성 메모를 재생</a:t>
+              </a:r>
+              <a:endParaRPr lang="ko-KR" altLang="en-US" dirty="0">
+                <a:solidFill>
+                  <a:schemeClr val="tx1"/>
+                </a:solidFill>
+              </a:endParaRPr>
+            </a:p>
+          </p:txBody>
+        </p:sp>
+        <p:sp>
+          <p:nvSpPr>
+            <p:cNvPr id="11" name="사각형: 둥근 모서리 10">
+              <a:extLst>
+                <a:ext uri="{FF2B5EF4-FFF2-40B4-BE49-F238E27FC236}">
+                  <a16:creationId xmlns:a16="http://schemas.microsoft.com/office/drawing/2014/main" id="{E89C851B-BB4A-F67E-3F5E-22223DF69A97}"/>
+                </a:ext>
+              </a:extLst>
+            </p:cNvPr>
+            <p:cNvSpPr/>
+            <p:nvPr/>
+          </p:nvSpPr>
+          <p:spPr>
+            <a:xfrm>
+              <a:off x="6756931" y="1165718"/>
+              <a:ext cx="1876928" cy="914400"/>
+            </a:xfrm>
+            <a:prstGeom prst="roundRect">
+              <a:avLst/>
+            </a:prstGeom>
+            <a:solidFill>
+              <a:schemeClr val="bg1"/>
+            </a:solidFill>
+            <a:ln>
+              <a:solidFill>
+                <a:schemeClr val="tx1"/>
+              </a:solidFill>
+            </a:ln>
+          </p:spPr>
+          <p:style>
+            <a:lnRef idx="2">
+              <a:schemeClr val="accent1">
+                <a:shade val="50000"/>
+              </a:schemeClr>
+            </a:lnRef>
+            <a:fillRef idx="1">
+              <a:schemeClr val="accent1"/>
+            </a:fillRef>
+            <a:effectRef idx="0">
+              <a:schemeClr val="accent1"/>
+            </a:effectRef>
+            <a:fontRef idx="minor">
+              <a:schemeClr val="lt1"/>
+            </a:fontRef>
+          </p:style>
+          <p:txBody>
+            <a:bodyPr rtlCol="0" anchor="ctr"/>
+            <a:lstStyle/>
+            <a:p>
+              <a:pPr algn="ctr"/>
+              <a:r>
+                <a:rPr lang="en-US" altLang="ko-KR" dirty="0" err="1">
+                  <a:solidFill>
+                    <a:schemeClr val="tx1"/>
+                  </a:solidFill>
+                </a:rPr>
+                <a:t>FileManager</a:t>
+              </a:r>
+              <a:endParaRPr lang="en-US" altLang="ko-KR" dirty="0">
+                <a:solidFill>
+                  <a:schemeClr val="tx1"/>
+                </a:solidFill>
+              </a:endParaRPr>
+            </a:p>
+            <a:p>
+              <a:pPr algn="ctr"/>
+              <a:r>
+                <a:rPr lang="ko-KR" altLang="en-US" sz="1600" dirty="0">
+                  <a:solidFill>
+                    <a:schemeClr val="tx1"/>
+                  </a:solidFill>
+                </a:rPr>
+                <a:t>음성 파일을 관리</a:t>
+              </a:r>
+              <a:endParaRPr lang="ko-KR" altLang="en-US" dirty="0">
+                <a:solidFill>
+                  <a:schemeClr val="tx1"/>
+                </a:solidFill>
+              </a:endParaRPr>
+            </a:p>
+          </p:txBody>
+        </p:sp>
+        <p:cxnSp>
+          <p:nvCxnSpPr>
+            <p:cNvPr id="13" name="직선 화살표 연결선 12">
+              <a:extLst>
+                <a:ext uri="{FF2B5EF4-FFF2-40B4-BE49-F238E27FC236}">
+                  <a16:creationId xmlns:a16="http://schemas.microsoft.com/office/drawing/2014/main" id="{89D309FC-1ACD-4418-F540-517EB55468A3}"/>
+                </a:ext>
+              </a:extLst>
+            </p:cNvPr>
+            <p:cNvCxnSpPr>
+              <a:stCxn id="10" idx="2"/>
+              <a:endCxn id="2" idx="0"/>
+            </p:cNvCxnSpPr>
+            <p:nvPr/>
+          </p:nvCxnSpPr>
+          <p:spPr>
+            <a:xfrm>
+              <a:off x="3557936" y="2065810"/>
+              <a:ext cx="0" cy="363896"/>
+            </a:xfrm>
+            <a:prstGeom prst="straightConnector1">
+              <a:avLst/>
+            </a:prstGeom>
+            <a:ln w="25400">
+              <a:solidFill>
+                <a:srgbClr val="FF0000"/>
+              </a:solidFill>
+              <a:tailEnd type="triangle"/>
+            </a:ln>
+          </p:spPr>
+          <p:style>
+            <a:lnRef idx="1">
+              <a:schemeClr val="accent1"/>
+            </a:lnRef>
+            <a:fillRef idx="0">
+              <a:schemeClr val="accent1"/>
+            </a:fillRef>
+            <a:effectRef idx="0">
+              <a:schemeClr val="accent1"/>
+            </a:effectRef>
+            <a:fontRef idx="minor">
+              <a:schemeClr val="tx1"/>
+            </a:fontRef>
+          </p:style>
+        </p:cxnSp>
+        <p:cxnSp>
+          <p:nvCxnSpPr>
+            <p:cNvPr id="19" name="연결선: 꺾임 18">
+              <a:extLst>
+                <a:ext uri="{FF2B5EF4-FFF2-40B4-BE49-F238E27FC236}">
+                  <a16:creationId xmlns:a16="http://schemas.microsoft.com/office/drawing/2014/main" id="{F43F8598-33D8-68EF-4990-7D48E4C12C10}"/>
+                </a:ext>
+              </a:extLst>
+            </p:cNvPr>
+            <p:cNvCxnSpPr>
+              <a:stCxn id="2" idx="3"/>
+              <a:endCxn id="11" idx="1"/>
+            </p:cNvCxnSpPr>
+            <p:nvPr/>
+          </p:nvCxnSpPr>
+          <p:spPr>
+            <a:xfrm flipV="1">
+              <a:off x="4496400" y="1622918"/>
+              <a:ext cx="2260531" cy="1263988"/>
+            </a:xfrm>
+            <a:prstGeom prst="bentConnector3">
+              <a:avLst/>
+            </a:prstGeom>
+            <a:ln w="25400">
+              <a:solidFill>
+                <a:srgbClr val="FF0000"/>
+              </a:solidFill>
+              <a:tailEnd type="triangle"/>
+            </a:ln>
+          </p:spPr>
+          <p:style>
+            <a:lnRef idx="1">
+              <a:schemeClr val="accent1"/>
+            </a:lnRef>
+            <a:fillRef idx="0">
+              <a:schemeClr val="accent1"/>
+            </a:fillRef>
+            <a:effectRef idx="0">
+              <a:schemeClr val="accent1"/>
+            </a:effectRef>
+            <a:fontRef idx="minor">
+              <a:schemeClr val="tx1"/>
+            </a:fontRef>
+          </p:style>
+        </p:cxnSp>
+        <p:cxnSp>
+          <p:nvCxnSpPr>
+            <p:cNvPr id="22" name="연결선: 꺾임 21">
+              <a:extLst>
+                <a:ext uri="{FF2B5EF4-FFF2-40B4-BE49-F238E27FC236}">
+                  <a16:creationId xmlns:a16="http://schemas.microsoft.com/office/drawing/2014/main" id="{693FD5E8-B6F6-87CC-CE3F-3A273B71E337}"/>
+                </a:ext>
+              </a:extLst>
+            </p:cNvPr>
+            <p:cNvCxnSpPr>
+              <a:stCxn id="11" idx="2"/>
+              <a:endCxn id="4" idx="3"/>
+            </p:cNvCxnSpPr>
+            <p:nvPr/>
+          </p:nvCxnSpPr>
+          <p:spPr>
+            <a:xfrm rot="5400000">
+              <a:off x="5053356" y="1523163"/>
+              <a:ext cx="2085084" cy="3198995"/>
+            </a:xfrm>
+            <a:prstGeom prst="bentConnector2">
+              <a:avLst/>
+            </a:prstGeom>
+            <a:ln w="25400">
+              <a:solidFill>
+                <a:srgbClr val="FF0000"/>
+              </a:solidFill>
+              <a:tailEnd type="triangle"/>
+            </a:ln>
+          </p:spPr>
+          <p:style>
+            <a:lnRef idx="1">
+              <a:schemeClr val="accent1"/>
+            </a:lnRef>
+            <a:fillRef idx="0">
+              <a:schemeClr val="accent1"/>
+            </a:fillRef>
+            <a:effectRef idx="0">
+              <a:schemeClr val="accent1"/>
+            </a:effectRef>
+            <a:fontRef idx="minor">
+              <a:schemeClr val="tx1"/>
+            </a:fontRef>
+          </p:style>
+        </p:cxnSp>
+        <p:cxnSp>
+          <p:nvCxnSpPr>
+            <p:cNvPr id="28" name="직선 화살표 연결선 27">
+              <a:extLst>
+                <a:ext uri="{FF2B5EF4-FFF2-40B4-BE49-F238E27FC236}">
+                  <a16:creationId xmlns:a16="http://schemas.microsoft.com/office/drawing/2014/main" id="{1CA72AC9-D11D-9AAC-0CFF-4C3756D9089C}"/>
+                </a:ext>
+              </a:extLst>
+            </p:cNvPr>
+            <p:cNvCxnSpPr>
+              <a:stCxn id="4" idx="2"/>
+              <a:endCxn id="5" idx="0"/>
+            </p:cNvCxnSpPr>
+            <p:nvPr/>
+          </p:nvCxnSpPr>
+          <p:spPr>
+            <a:xfrm>
+              <a:off x="3557936" y="4622402"/>
+              <a:ext cx="0" cy="363896"/>
+            </a:xfrm>
+            <a:prstGeom prst="straightConnector1">
+              <a:avLst/>
+            </a:prstGeom>
+            <a:ln w="25400">
+              <a:solidFill>
+                <a:srgbClr val="FF0000"/>
+              </a:solidFill>
+              <a:tailEnd type="triangle"/>
+            </a:ln>
+          </p:spPr>
+          <p:style>
+            <a:lnRef idx="1">
+              <a:schemeClr val="accent1"/>
+            </a:lnRef>
+            <a:fillRef idx="0">
+              <a:schemeClr val="accent1"/>
+            </a:fillRef>
+            <a:effectRef idx="0">
+              <a:schemeClr val="accent1"/>
+            </a:effectRef>
+            <a:fontRef idx="minor">
+              <a:schemeClr val="tx1"/>
+            </a:fontRef>
+          </p:style>
+        </p:cxnSp>
+      </p:grpSp>
     </p:spTree>
     <p:extLst>
       <p:ext uri="{BB962C8B-B14F-4D97-AF65-F5344CB8AC3E}">
